--- a/Downloads/Bot Story Template.pptx
+++ b/Downloads/Bot Story Template.pptx
@@ -4429,7 +4429,7 @@
           <a:p>
             <a:fld id="{6CF07771-3FAA-4D43-A059-9A7D838C2880}" type="datetimeFigureOut">
               <a:rPr lang="en-US" smtClean="0"/>
-              <a:t>1/5/2021</a:t>
+              <a:t>1/15/2021</a:t>
             </a:fld>
             <a:endParaRPr lang="en-US"/>
           </a:p>
@@ -4843,7 +4843,7 @@
           <a:p>
             <a:fld id="{9A133437-2D51-42E5-9A3F-CECE27362004}" type="datetimeFigureOut">
               <a:rPr lang="en-US" smtClean="0"/>
-              <a:t>1/5/2021</a:t>
+              <a:t>1/15/2021</a:t>
             </a:fld>
             <a:endParaRPr lang="en-US"/>
           </a:p>
@@ -5046,7 +5046,7 @@
           <a:p>
             <a:fld id="{A90851AE-F437-A04B-ADE2-D5E346F2089C}" type="datetime1">
               <a:rPr lang="en-US" noProof="0" smtClean="0"/>
-              <a:t>1/5/2021</a:t>
+              <a:t>1/15/2021</a:t>
             </a:fld>
             <a:endParaRPr lang="en-US" noProof="0"/>
           </a:p>
@@ -5255,7 +5255,7 @@
           <a:p>
             <a:fld id="{A90851AE-F437-A04B-ADE2-D5E346F2089C}" type="datetime1">
               <a:rPr lang="en-US" noProof="0" smtClean="0"/>
-              <a:t>1/5/2021</a:t>
+              <a:t>1/15/2021</a:t>
             </a:fld>
             <a:endParaRPr lang="en-US" noProof="0"/>
           </a:p>
@@ -5521,7 +5521,7 @@
           <a:p>
             <a:fld id="{C3BDDDD7-72ED-FC4E-8075-0107060235C5}" type="datetime1">
               <a:rPr lang="en-US" noProof="0" smtClean="0"/>
-              <a:t>1/5/2021</a:t>
+              <a:t>1/15/2021</a:t>
             </a:fld>
             <a:endParaRPr lang="en-US" noProof="0"/>
           </a:p>
@@ -5785,7 +5785,7 @@
           <a:p>
             <a:fld id="{471D0754-1959-7F4F-A198-3F4710E170D8}" type="datetime1">
               <a:rPr lang="en-US" noProof="0" smtClean="0"/>
-              <a:t>1/5/2021</a:t>
+              <a:t>1/15/2021</a:t>
             </a:fld>
             <a:endParaRPr lang="en-US" noProof="0"/>
           </a:p>
@@ -6129,7 +6129,7 @@
           <a:p>
             <a:fld id="{26B3D9D9-8B30-6A45-929D-0A0366E2E953}" type="datetime1">
               <a:rPr lang="en-US" noProof="0" smtClean="0"/>
-              <a:t>1/5/2021</a:t>
+              <a:t>1/15/2021</a:t>
             </a:fld>
             <a:endParaRPr lang="en-US" noProof="0"/>
           </a:p>
@@ -7492,7 +7492,7 @@
           <a:p>
             <a:fld id="{471D0754-1959-7F4F-A198-3F4710E170D8}" type="datetime1">
               <a:rPr lang="en-US" noProof="0" smtClean="0"/>
-              <a:t>1/5/2021</a:t>
+              <a:t>1/15/2021</a:t>
             </a:fld>
             <a:endParaRPr lang="en-US" noProof="0"/>
           </a:p>
@@ -8001,7 +8001,7 @@
           <a:p>
             <a:fld id="{F8F1C92E-34EF-7443-98EE-55EB64C2F5FD}" type="datetime1">
               <a:rPr lang="en-US" noProof="0" smtClean="0"/>
-              <a:t>1/5/2021</a:t>
+              <a:t>1/15/2021</a:t>
             </a:fld>
             <a:endParaRPr lang="en-US" noProof="0"/>
           </a:p>
@@ -8921,7 +8921,7 @@
           <a:p>
             <a:fld id="{4176DA4A-63D4-BC43-9B38-53D06F7CC9C4}" type="datetime1">
               <a:rPr lang="en-US" noProof="0" smtClean="0"/>
-              <a:t>1/5/2021</a:t>
+              <a:t>1/15/2021</a:t>
             </a:fld>
             <a:endParaRPr lang="en-US" noProof="0"/>
           </a:p>
@@ -10279,7 +10279,7 @@
           <a:p>
             <a:fld id="{471D0754-1959-7F4F-A198-3F4710E170D8}" type="datetime1">
               <a:rPr lang="en-US" noProof="0" smtClean="0"/>
-              <a:t>1/5/2021</a:t>
+              <a:t>1/15/2021</a:t>
             </a:fld>
             <a:endParaRPr lang="en-US" noProof="0"/>
           </a:p>
@@ -10574,7 +10574,7 @@
           <a:p>
             <a:fld id="{471D0754-1959-7F4F-A198-3F4710E170D8}" type="datetime1">
               <a:rPr lang="en-US" noProof="0" smtClean="0"/>
-              <a:t>1/5/2021</a:t>
+              <a:t>1/15/2021</a:t>
             </a:fld>
             <a:endParaRPr lang="en-US" noProof="0"/>
           </a:p>
@@ -10910,7 +10910,7 @@
           <a:p>
             <a:fld id="{471D0754-1959-7F4F-A198-3F4710E170D8}" type="datetime1">
               <a:rPr lang="en-US" noProof="0" smtClean="0"/>
-              <a:t>1/5/2021</a:t>
+              <a:t>1/15/2021</a:t>
             </a:fld>
             <a:endParaRPr lang="en-US" noProof="0"/>
           </a:p>
@@ -11284,7 +11284,7 @@
           <a:p>
             <a:fld id="{529964A5-3468-3F49-AD7A-0CF5EB762F89}" type="datetime1">
               <a:rPr lang="en-US" noProof="0" smtClean="0"/>
-              <a:t>1/5/2021</a:t>
+              <a:t>1/15/2021</a:t>
             </a:fld>
             <a:endParaRPr lang="en-US" noProof="0"/>
           </a:p>
@@ -11554,7 +11554,7 @@
           <a:p>
             <a:fld id="{F316E73E-FB98-2A42-974A-9CD83D46C100}" type="datetime1">
               <a:rPr lang="en-US" noProof="0" smtClean="0"/>
-              <a:t>1/5/2021</a:t>
+              <a:t>1/15/2021</a:t>
             </a:fld>
             <a:endParaRPr lang="en-US" noProof="0"/>
           </a:p>
@@ -11966,7 +11966,7 @@
           <a:p>
             <a:fld id="{98A115EF-7A83-9842-815E-554E5DEB63CD}" type="datetime1">
               <a:rPr lang="en-US" noProof="0" smtClean="0"/>
-              <a:t>1/5/2021</a:t>
+              <a:t>1/15/2021</a:t>
             </a:fld>
             <a:endParaRPr lang="en-US" noProof="0"/>
           </a:p>
@@ -12107,7 +12107,7 @@
           <a:p>
             <a:fld id="{4BE097A0-4000-B744-87D8-18F42A934248}" type="datetime1">
               <a:rPr lang="en-US" noProof="0" smtClean="0"/>
-              <a:t>1/5/2021</a:t>
+              <a:t>1/15/2021</a:t>
             </a:fld>
             <a:endParaRPr lang="en-US" noProof="0"/>
           </a:p>
@@ -12220,7 +12220,7 @@
           <a:p>
             <a:fld id="{46974EA9-4639-9B48-9E98-70455404EF00}" type="datetime1">
               <a:rPr lang="en-US" noProof="0" smtClean="0"/>
-              <a:t>1/5/2021</a:t>
+              <a:t>1/15/2021</a:t>
             </a:fld>
             <a:endParaRPr lang="en-US" noProof="0"/>
           </a:p>
@@ -12536,7 +12536,7 @@
           <a:p>
             <a:fld id="{A90851AE-F437-A04B-ADE2-D5E346F2089C}" type="datetime1">
               <a:rPr lang="en-US" noProof="0" smtClean="0"/>
-              <a:t>1/5/2021</a:t>
+              <a:t>1/15/2021</a:t>
             </a:fld>
             <a:endParaRPr lang="en-US" noProof="0"/>
           </a:p>
@@ -12825,7 +12825,7 @@
           <a:p>
             <a:fld id="{A90851AE-F437-A04B-ADE2-D5E346F2089C}" type="datetime1">
               <a:rPr lang="en-US" noProof="0" smtClean="0"/>
-              <a:t>1/5/2021</a:t>
+              <a:t>1/15/2021</a:t>
             </a:fld>
             <a:endParaRPr lang="en-US" noProof="0"/>
           </a:p>
@@ -13067,7 +13067,7 @@
           <a:p>
             <a:fld id="{A90851AE-F437-A04B-ADE2-D5E346F2089C}" type="datetime1">
               <a:rPr lang="en-US" noProof="0" smtClean="0"/>
-              <a:t>1/5/2021</a:t>
+              <a:t>1/15/2021</a:t>
             </a:fld>
             <a:endParaRPr lang="en-US" noProof="0"/>
           </a:p>
@@ -13922,7 +13922,7 @@
           <p:nvPr>
             <p:extLst>
               <p:ext uri="{D42A27DB-BD31-4B8C-83A1-F6EECF244321}">
-                <p14:modId xmlns:p14="http://schemas.microsoft.com/office/powerpoint/2010/main" val="2325634533"/>
+                <p14:modId xmlns:p14="http://schemas.microsoft.com/office/powerpoint/2010/main" val="1606568234"/>
               </p:ext>
             </p:extLst>
           </p:nvPr>
@@ -14069,10 +14069,16 @@
                         </a:spcAft>
                       </a:pPr>
                       <a:r>
+                        <a:rPr lang="en-US" sz="1000" dirty="0">
+                          <a:effectLst/>
+                        </a:rPr>
+                        <a:t>Problem </a:t>
+                      </a:r>
+                      <a:r>
                         <a:rPr lang="en-US" sz="1000">
                           <a:effectLst/>
                         </a:rPr>
-                        <a:t>Problem</a:t>
+                        <a:t>( Process Name &amp; Steps )</a:t>
                       </a:r>
                       <a:endParaRPr lang="en-IN" sz="1000">
                         <a:effectLst/>
@@ -17102,23 +17108,6 @@
 </file>
 
 <file path=customXml/item1.xml><?xml version="1.0" encoding="utf-8"?>
-<?mso-contentType ?>
-<FormTemplates xmlns="http://schemas.microsoft.com/sharepoint/v3/contenttype/forms">
-  <Display>DocumentLibraryForm</Display>
-  <Edit>DocumentLibraryForm</Edit>
-  <New>DocumentLibraryForm</New>
-</FormTemplates>
-</file>
-
-<file path=customXml/item2.xml><?xml version="1.0" encoding="utf-8"?>
-<p:properties xmlns:p="http://schemas.microsoft.com/office/2006/metadata/properties" xmlns:xsi="http://www.w3.org/2001/XMLSchema-instance" xmlns:pc="http://schemas.microsoft.com/office/infopath/2007/PartnerControls">
-  <documentManagement>
-    <MediaServiceKeyPoints xmlns="71af3243-3dd4-4a8d-8c0d-dd76da1f02a5" xsi:nil="true"/>
-  </documentManagement>
-</p:properties>
-</file>
-
-<file path=customXml/item3.xml><?xml version="1.0" encoding="utf-8"?>
 <ct:contentTypeSchema xmlns:ct="http://schemas.microsoft.com/office/2006/metadata/contentType" xmlns:ma="http://schemas.microsoft.com/office/2006/metadata/properties/metaAttributes" ct:_="" ma:_="" ma:contentTypeName="Document" ma:contentTypeID="0x01010079F111ED35F8CC479449609E8A0923A6" ma:contentTypeVersion="11" ma:contentTypeDescription="Create a new document." ma:contentTypeScope="" ma:versionID="1c2eb7a32e66fb6e4260f3771546a5e2">
   <xsd:schema xmlns:xsd="http://www.w3.org/2001/XMLSchema" xmlns:xs="http://www.w3.org/2001/XMLSchema" xmlns:p="http://schemas.microsoft.com/office/2006/metadata/properties" xmlns:ns2="71af3243-3dd4-4a8d-8c0d-dd76da1f02a5" xmlns:ns3="16c05727-aa75-4e4a-9b5f-8a80a1165891" targetNamespace="http://schemas.microsoft.com/office/2006/metadata/properties" ma:root="true" ma:fieldsID="04e1f6479c48b08974ba73b5ca973489" ns2:_="" ns3:_="">
     <xsd:import namespace="71af3243-3dd4-4a8d-8c0d-dd76da1f02a5"/>
@@ -17329,25 +17318,24 @@
 </ct:contentTypeSchema>
 </file>
 
-<file path=customXml/itemProps1.xml><?xml version="1.0" encoding="utf-8"?>
-<ds:datastoreItem xmlns:ds="http://schemas.openxmlformats.org/officeDocument/2006/customXml" ds:itemID="{C77EC923-6023-4411-8330-A0042153EED3}">
-  <ds:schemaRefs>
-    <ds:schemaRef ds:uri="http://schemas.microsoft.com/sharepoint/v3/contenttype/forms"/>
-  </ds:schemaRefs>
-</ds:datastoreItem>
+<file path=customXml/item2.xml><?xml version="1.0" encoding="utf-8"?>
+<p:properties xmlns:p="http://schemas.microsoft.com/office/2006/metadata/properties" xmlns:xsi="http://www.w3.org/2001/XMLSchema-instance" xmlns:pc="http://schemas.microsoft.com/office/infopath/2007/PartnerControls">
+  <documentManagement>
+    <MediaServiceKeyPoints xmlns="71af3243-3dd4-4a8d-8c0d-dd76da1f02a5" xsi:nil="true"/>
+  </documentManagement>
+</p:properties>
 </file>
 
-<file path=customXml/itemProps2.xml><?xml version="1.0" encoding="utf-8"?>
-<ds:datastoreItem xmlns:ds="http://schemas.openxmlformats.org/officeDocument/2006/customXml" ds:itemID="{6DB4AFBF-E012-4607-B95C-D9E661912AC6}">
-  <ds:schemaRefs>
-    <ds:schemaRef ds:uri="http://schemas.microsoft.com/office/2006/metadata/properties"/>
-    <ds:schemaRef ds:uri="http://schemas.microsoft.com/office/infopath/2007/PartnerControls"/>
-    <ds:schemaRef ds:uri="71af3243-3dd4-4a8d-8c0d-dd76da1f02a5"/>
-  </ds:schemaRefs>
-</ds:datastoreItem>
+<file path=customXml/item3.xml><?xml version="1.0" encoding="utf-8"?>
+<?mso-contentType ?>
+<FormTemplates xmlns="http://schemas.microsoft.com/sharepoint/v3/contenttype/forms">
+  <Display>DocumentLibraryForm</Display>
+  <Edit>DocumentLibraryForm</Edit>
+  <New>DocumentLibraryForm</New>
+</FormTemplates>
 </file>
 
-<file path=customXml/itemProps3.xml><?xml version="1.0" encoding="utf-8"?>
+<file path=customXml/itemProps1.xml><?xml version="1.0" encoding="utf-8"?>
 <ds:datastoreItem xmlns:ds="http://schemas.openxmlformats.org/officeDocument/2006/customXml" ds:itemID="{B60E032F-2E55-4A86-BB2D-1A317C642990}">
   <ds:schemaRefs>
     <ds:schemaRef ds:uri="http://schemas.microsoft.com/office/2006/metadata/contentType"/>
@@ -17364,4 +17352,22 @@
     <ds:schemaRef ds:uri="http://schemas.microsoft.com/internal/obd"/>
   </ds:schemaRefs>
 </ds:datastoreItem>
+</file>
+
+<file path=customXml/itemProps2.xml><?xml version="1.0" encoding="utf-8"?>
+<ds:datastoreItem xmlns:ds="http://schemas.openxmlformats.org/officeDocument/2006/customXml" ds:itemID="{6DB4AFBF-E012-4607-B95C-D9E661912AC6}">
+  <ds:schemaRefs>
+    <ds:schemaRef ds:uri="http://schemas.microsoft.com/office/2006/metadata/properties"/>
+    <ds:schemaRef ds:uri="http://schemas.microsoft.com/office/infopath/2007/PartnerControls"/>
+    <ds:schemaRef ds:uri="71af3243-3dd4-4a8d-8c0d-dd76da1f02a5"/>
+  </ds:schemaRefs>
+</ds:datastoreItem>
+</file>
+
+<file path=customXml/itemProps3.xml><?xml version="1.0" encoding="utf-8"?>
+<ds:datastoreItem xmlns:ds="http://schemas.openxmlformats.org/officeDocument/2006/customXml" ds:itemID="{C77EC923-6023-4411-8330-A0042153EED3}">
+  <ds:schemaRefs>
+    <ds:schemaRef ds:uri="http://schemas.microsoft.com/sharepoint/v3/contenttype/forms"/>
+  </ds:schemaRefs>
+</ds:datastoreItem>
 </file>